--- a/img/pairing.pptx
+++ b/img/pairing.pptx
@@ -151,7 +151,7 @@
       </p14:sectionLst>
     </p:ext>
     <p:ext uri="{EFAFB233-063F-42B5-8137-9DF3F51BA10A}">
-      <p15:sldGuideLst xmlns:p15="http://schemas.microsoft.com/office/powerpoint/2012/main" xmlns="">
+      <p15:sldGuideLst xmlns="" xmlns:p15="http://schemas.microsoft.com/office/powerpoint/2012/main">
         <p15:guide id="1" orient="horz" pos="2160">
           <p15:clr>
             <a:srgbClr val="A4A3A4"/>
@@ -165,7 +165,7 @@
       </p15:sldGuideLst>
     </p:ext>
     <p:ext uri="{2D200454-40CA-4A62-9FC3-DE9A4176ACB9}">
-      <p15:notesGuideLst xmlns:p15="http://schemas.microsoft.com/office/powerpoint/2012/main" xmlns="">
+      <p15:notesGuideLst xmlns="" xmlns:p15="http://schemas.microsoft.com/office/powerpoint/2012/main">
         <p15:guide id="1" orient="horz" pos="3223">
           <p15:clr>
             <a:srgbClr val="A4A3A4"/>
@@ -2111,9 +2111,10 @@
             </a:avLst>
           </a:prstGeom>
           <a:solidFill>
-            <a:srgbClr val="AAEFD1">
+            <a:schemeClr val="bg1">
+              <a:lumMod val="85000"/>
               <a:alpha val="49020"/>
-            </a:srgbClr>
+            </a:schemeClr>
           </a:solidFill>
           <a:ln>
             <a:noFill/>
@@ -2480,8 +2481,8 @@
           </a:fontRef>
         </p:style>
       </p:cxnSp>
-      <mc:AlternateContent xmlns:mc="http://schemas.openxmlformats.org/markup-compatibility/2006">
-        <mc:Choice xmlns:a14="http://schemas.microsoft.com/office/drawing/2010/main" Requires="a14">
+      <mc:AlternateContent xmlns:mc="http://schemas.openxmlformats.org/markup-compatibility/2006" xmlns:a14="http://schemas.microsoft.com/office/drawing/2010/main">
+        <mc:Choice Requires="a14">
           <p:sp>
             <p:nvSpPr>
               <p:cNvPr id="42" name="テキスト ボックス 41"/>
@@ -2575,7 +2576,7 @@
             </p:txBody>
           </p:sp>
         </mc:Choice>
-        <mc:Fallback>
+        <mc:Fallback xmlns="">
           <p:sp>
             <p:nvSpPr>
               <p:cNvPr id="42" name="テキスト ボックス 41"/>
@@ -2655,8 +2656,8 @@
           </a:fontRef>
         </p:style>
       </p:cxnSp>
-      <mc:AlternateContent xmlns:mc="http://schemas.openxmlformats.org/markup-compatibility/2006">
-        <mc:Choice xmlns:a14="http://schemas.microsoft.com/office/drawing/2010/main" Requires="a14">
+      <mc:AlternateContent xmlns:mc="http://schemas.openxmlformats.org/markup-compatibility/2006" xmlns:a14="http://schemas.microsoft.com/office/drawing/2010/main">
+        <mc:Choice Requires="a14">
           <p:sp>
             <p:nvSpPr>
               <p:cNvPr id="50" name="テキスト ボックス 49"/>
@@ -2750,7 +2751,7 @@
             </p:txBody>
           </p:sp>
         </mc:Choice>
-        <mc:Fallback>
+        <mc:Fallback xmlns="">
           <p:sp>
             <p:nvSpPr>
               <p:cNvPr id="50" name="テキスト ボックス 49"/>
@@ -2793,8 +2794,8 @@
           </p:sp>
         </mc:Fallback>
       </mc:AlternateContent>
-      <mc:AlternateContent xmlns:mc="http://schemas.openxmlformats.org/markup-compatibility/2006">
-        <mc:Choice xmlns:a14="http://schemas.microsoft.com/office/drawing/2010/main" Requires="a14">
+      <mc:AlternateContent xmlns:mc="http://schemas.openxmlformats.org/markup-compatibility/2006" xmlns:a14="http://schemas.microsoft.com/office/drawing/2010/main">
+        <mc:Choice Requires="a14">
           <p:sp>
             <p:nvSpPr>
               <p:cNvPr id="51" name="テキスト ボックス 50"/>
@@ -2885,7 +2886,7 @@
             </p:txBody>
           </p:sp>
         </mc:Choice>
-        <mc:Fallback>
+        <mc:Fallback xmlns="">
           <p:sp>
             <p:nvSpPr>
               <p:cNvPr id="51" name="テキスト ボックス 50"/>
@@ -2928,8 +2929,8 @@
           </p:sp>
         </mc:Fallback>
       </mc:AlternateContent>
-      <mc:AlternateContent xmlns:mc="http://schemas.openxmlformats.org/markup-compatibility/2006">
-        <mc:Choice xmlns:a14="http://schemas.microsoft.com/office/drawing/2010/main" Requires="a14">
+      <mc:AlternateContent xmlns:mc="http://schemas.openxmlformats.org/markup-compatibility/2006" xmlns:a14="http://schemas.microsoft.com/office/drawing/2010/main">
+        <mc:Choice Requires="a14">
           <p:sp>
             <p:nvSpPr>
               <p:cNvPr id="52" name="テキスト ボックス 51"/>
@@ -3020,7 +3021,7 @@
             </p:txBody>
           </p:sp>
         </mc:Choice>
-        <mc:Fallback>
+        <mc:Fallback xmlns="">
           <p:sp>
             <p:nvSpPr>
               <p:cNvPr id="52" name="テキスト ボックス 51"/>
@@ -3382,7 +3383,10 @@
                       <m:sSup>
                         <m:sSupPr>
                           <m:ctrlPr>
-                            <a:rPr lang="en-US" altLang="ja-JP" sz="1200" i="1">
+                            <a:rPr lang="en-US" altLang="ja-JP" sz="1200" i="1" smtClean="0">
+                              <a:solidFill>
+                                <a:schemeClr val="tx1"/>
+                              </a:solidFill>
                               <a:latin typeface="Cambria Math"/>
                             </a:rPr>
                           </m:ctrlPr>
@@ -3390,6 +3394,9 @@
                         <m:e>
                           <m:r>
                             <a:rPr lang="en-US" altLang="ja-JP" sz="1200">
+                              <a:solidFill>
+                                <a:schemeClr val="tx1"/>
+                              </a:solidFill>
                               <a:latin typeface="Cambria Math"/>
                             </a:rPr>
                             <m:t>𝑔</m:t>
@@ -3399,7 +3406,7 @@
                           <m:r>
                             <a:rPr lang="en-US" altLang="ja-JP" sz="1200">
                               <a:solidFill>
-                                <a:srgbClr val="FF0000"/>
+                                <a:schemeClr val="tx1"/>
                               </a:solidFill>
                               <a:latin typeface="Cambria Math"/>
                             </a:rPr>
@@ -3408,7 +3415,7 @@
                           <m:r>
                             <a:rPr lang="en-US" altLang="ja-JP" sz="1200">
                               <a:solidFill>
-                                <a:srgbClr val="FF0000"/>
+                                <a:schemeClr val="tx1"/>
                               </a:solidFill>
                               <a:latin typeface="Cambria Math"/>
                             </a:rPr>
@@ -3417,7 +3424,7 @@
                           <m:r>
                             <a:rPr lang="en-US" altLang="ja-JP" sz="1200">
                               <a:solidFill>
-                                <a:srgbClr val="FF0000"/>
+                                <a:schemeClr val="tx1"/>
                               </a:solidFill>
                               <a:latin typeface="Cambria Math"/>
                             </a:rPr>
